--- a/docs/00_Praesentation/PF_SnakeFX.pptx
+++ b/docs/00_Praesentation/PF_SnakeFX.pptx
@@ -203,7 +203,7 @@
           <a:p>
             <a:fld id="{BAB8DCF7-2B6D-4416-A105-B3D90CEC5AE0}" type="datetimeFigureOut">
               <a:rPr lang="de-DE" smtClean="0"/>
-              <a:t>29.12.2020</a:t>
+              <a:t>09.01.2021</a:t>
             </a:fld>
             <a:endParaRPr lang="de-DE"/>
           </a:p>
@@ -617,7 +617,7 @@
           <a:p>
             <a:fld id="{CE5AB538-479A-4354-AB70-12B048A9DCBD}" type="datetime1">
               <a:rPr lang="de-DE" smtClean="0"/>
-              <a:t>29.12.2020</a:t>
+              <a:t>09.01.2021</a:t>
             </a:fld>
             <a:endParaRPr lang="de-DE"/>
           </a:p>
@@ -815,7 +815,7 @@
           <a:p>
             <a:fld id="{2FA0E3BF-3062-4EB4-8933-04194E85369A}" type="datetime1">
               <a:rPr lang="de-DE" smtClean="0"/>
-              <a:t>29.12.2020</a:t>
+              <a:t>09.01.2021</a:t>
             </a:fld>
             <a:endParaRPr lang="de-DE"/>
           </a:p>
@@ -1023,7 +1023,7 @@
           <a:p>
             <a:fld id="{BF35A7FB-F39F-49D9-B562-646B8C2ED832}" type="datetime1">
               <a:rPr lang="de-DE" smtClean="0"/>
-              <a:t>29.12.2020</a:t>
+              <a:t>09.01.2021</a:t>
             </a:fld>
             <a:endParaRPr lang="de-DE"/>
           </a:p>
@@ -1221,7 +1221,7 @@
           <a:p>
             <a:fld id="{CC981285-16DA-415C-B87D-7D2C128537D2}" type="datetime1">
               <a:rPr lang="de-DE" smtClean="0"/>
-              <a:t>29.12.2020</a:t>
+              <a:t>09.01.2021</a:t>
             </a:fld>
             <a:endParaRPr lang="de-DE"/>
           </a:p>
@@ -1496,7 +1496,7 @@
           <a:p>
             <a:fld id="{BA4C4FF7-9C3B-45F4-9D1C-3D25F5D2147C}" type="datetime1">
               <a:rPr lang="de-DE" smtClean="0"/>
-              <a:t>29.12.2020</a:t>
+              <a:t>09.01.2021</a:t>
             </a:fld>
             <a:endParaRPr lang="de-DE"/>
           </a:p>
@@ -1761,7 +1761,7 @@
           <a:p>
             <a:fld id="{28C14887-3BA8-404F-82FA-61F61F989B8E}" type="datetime1">
               <a:rPr lang="de-DE" smtClean="0"/>
-              <a:t>29.12.2020</a:t>
+              <a:t>09.01.2021</a:t>
             </a:fld>
             <a:endParaRPr lang="de-DE"/>
           </a:p>
@@ -2173,7 +2173,7 @@
           <a:p>
             <a:fld id="{13B298D0-9176-445D-AA7B-DA4F8228C2AD}" type="datetime1">
               <a:rPr lang="de-DE" smtClean="0"/>
-              <a:t>29.12.2020</a:t>
+              <a:t>09.01.2021</a:t>
             </a:fld>
             <a:endParaRPr lang="de-DE"/>
           </a:p>
@@ -2314,7 +2314,7 @@
           <a:p>
             <a:fld id="{4F8D158F-32BC-41DA-851C-E8C9062E54CD}" type="datetime1">
               <a:rPr lang="de-DE" smtClean="0"/>
-              <a:t>29.12.2020</a:t>
+              <a:t>09.01.2021</a:t>
             </a:fld>
             <a:endParaRPr lang="de-DE"/>
           </a:p>
@@ -2427,7 +2427,7 @@
           <a:p>
             <a:fld id="{9A326A97-2B4D-479A-803C-7253D7B49868}" type="datetime1">
               <a:rPr lang="de-DE" smtClean="0"/>
-              <a:t>29.12.2020</a:t>
+              <a:t>09.01.2021</a:t>
             </a:fld>
             <a:endParaRPr lang="de-DE"/>
           </a:p>
@@ -2738,7 +2738,7 @@
           <a:p>
             <a:fld id="{6E4A1C1E-9A17-4BE2-9346-96872D98FE42}" type="datetime1">
               <a:rPr lang="de-DE" smtClean="0"/>
-              <a:t>29.12.2020</a:t>
+              <a:t>09.01.2021</a:t>
             </a:fld>
             <a:endParaRPr lang="de-DE"/>
           </a:p>
@@ -3026,7 +3026,7 @@
           <a:p>
             <a:fld id="{71D5543F-E1D8-49B4-A430-0FD93F15630A}" type="datetime1">
               <a:rPr lang="de-DE" smtClean="0"/>
-              <a:t>29.12.2020</a:t>
+              <a:t>09.01.2021</a:t>
             </a:fld>
             <a:endParaRPr lang="de-DE"/>
           </a:p>
@@ -3267,7 +3267,7 @@
           <a:p>
             <a:fld id="{BD1B441C-A48D-44D3-94EC-55D305E1B726}" type="datetime1">
               <a:rPr lang="de-DE" smtClean="0"/>
-              <a:t>29.12.2020</a:t>
+              <a:t>09.01.2021</a:t>
             </a:fld>
             <a:endParaRPr lang="de-DE"/>
           </a:p>
@@ -3782,7 +3782,7 @@
                 <a:latin typeface="+mj-lt"/>
                 <a:ea typeface="Calibri" panose="020F0502020204030204" pitchFamily="34" charset="0"/>
               </a:rPr>
-              <a:t>Leonard Reidel (@ostfalia.de) | Mat.-Nr.: -</a:t>
+              <a:t>Leonard Reidel (@ostfalia.de) | Mat.-Nr.: 70468602</a:t>
             </a:r>
           </a:p>
           <a:p>
